--- a/Programação para dispositivos moveis/SLIDES/CCT0080_Aula_01_2018_2.pptx
+++ b/Programação para dispositivos moveis/SLIDES/CCT0080_Aula_01_2018_2.pptx
@@ -221,7 +221,7 @@
           <a:p>
             <a:fld id="{C8D94D05-F877-4447-A135-C5020AC71E43}" type="datetimeFigureOut">
               <a:rPr lang="pt-BR" smtClean="0"/>
-              <a:t>27/07/2018</a:t>
+              <a:t>07/08/2018</a:t>
             </a:fld>
             <a:endParaRPr lang="pt-BR"/>
           </a:p>
@@ -5218,8 +5218,8 @@
         </p:nvSpPr>
         <p:spPr>
           <a:xfrm>
-            <a:off x="1524000" y="2438400"/>
-            <a:ext cx="9144000" cy="4051852"/>
+            <a:off x="419100" y="2438400"/>
+            <a:ext cx="11315700" cy="4051852"/>
           </a:xfrm>
         </p:spPr>
         <p:txBody>
@@ -5309,7 +5309,37 @@
                 <a:latin typeface="Courier New" panose="02070309020205020404" pitchFamily="49" charset="0"/>
                 <a:cs typeface="Courier New" panose="02070309020205020404" pitchFamily="49" charset="0"/>
               </a:rPr>
-              <a:t> um email com o assunto “CCT0080” para ser </a:t>
+              <a:t> um email com o assunto “CCT0080-&lt;</a:t>
+            </a:r>
+            <a:r>
+              <a:rPr lang="en-US" sz="2600" b="1" dirty="0" err="1">
+                <a:latin typeface="Courier New" panose="02070309020205020404" pitchFamily="49" charset="0"/>
+                <a:cs typeface="Courier New" panose="02070309020205020404" pitchFamily="49" charset="0"/>
+              </a:rPr>
+              <a:t>turma</a:t>
+            </a:r>
+            <a:r>
+              <a:rPr lang="en-US" sz="2600" b="1">
+                <a:latin typeface="Courier New" panose="02070309020205020404" pitchFamily="49" charset="0"/>
+                <a:cs typeface="Courier New" panose="02070309020205020404" pitchFamily="49" charset="0"/>
+              </a:rPr>
+              <a:t>&gt;” </a:t>
+            </a:r>
+          </a:p>
+          <a:p>
+            <a:r>
+              <a:rPr lang="en-US" sz="2600" b="1">
+                <a:latin typeface="Courier New" panose="02070309020205020404" pitchFamily="49" charset="0"/>
+                <a:cs typeface="Courier New" panose="02070309020205020404" pitchFamily="49" charset="0"/>
+              </a:rPr>
+              <a:t>para </a:t>
+            </a:r>
+            <a:r>
+              <a:rPr lang="en-US" sz="2600" b="1" dirty="0">
+                <a:latin typeface="Courier New" panose="02070309020205020404" pitchFamily="49" charset="0"/>
+                <a:cs typeface="Courier New" panose="02070309020205020404" pitchFamily="49" charset="0"/>
+              </a:rPr>
+              <a:t>ser </a:t>
             </a:r>
             <a:r>
               <a:rPr lang="en-US" sz="2600" b="1" dirty="0" err="1">
@@ -6078,7 +6108,7 @@
                                         <p:tgtEl>
                                           <p:spTgt spid="3">
                                             <p:txEl>
-                                              <p:pRg st="9" end="9"/>
+                                              <p:pRg st="8" end="8"/>
                                             </p:txEl>
                                           </p:spTgt>
                                         </p:tgtEl>
@@ -6096,7 +6126,7 @@
                                         <p:tgtEl>
                                           <p:spTgt spid="3">
                                             <p:txEl>
-                                              <p:pRg st="9" end="9"/>
+                                              <p:pRg st="8" end="8"/>
                                             </p:txEl>
                                           </p:spTgt>
                                         </p:tgtEl>
@@ -6123,7 +6153,92 @@
                                         <p:tgtEl>
                                           <p:spTgt spid="3">
                                             <p:txEl>
-                                              <p:pRg st="9" end="9"/>
+                                              <p:pRg st="8" end="8"/>
+                                            </p:txEl>
+                                          </p:spTgt>
+                                        </p:tgtEl>
+                                        <p:attrNameLst>
+                                          <p:attrName>ppt_y</p:attrName>
+                                        </p:attrNameLst>
+                                      </p:cBhvr>
+                                      <p:tavLst>
+                                        <p:tav tm="0">
+                                          <p:val>
+                                            <p:strVal val="#ppt_y+1"/>
+                                          </p:val>
+                                        </p:tav>
+                                        <p:tav tm="100000">
+                                          <p:val>
+                                            <p:strVal val="#ppt_y-1"/>
+                                          </p:val>
+                                        </p:tav>
+                                      </p:tavLst>
+                                    </p:anim>
+                                  </p:childTnLst>
+                                </p:cTn>
+                              </p:par>
+                              <p:par>
+                                <p:cTn id="37" presetID="28" presetClass="entr" presetSubtype="0" fill="hold" grpId="0" nodeType="withEffect">
+                                  <p:stCondLst>
+                                    <p:cond delay="0"/>
+                                  </p:stCondLst>
+                                  <p:childTnLst>
+                                    <p:set>
+                                      <p:cBhvr>
+                                        <p:cTn id="38" dur="1" fill="hold">
+                                          <p:stCondLst>
+                                            <p:cond delay="0"/>
+                                          </p:stCondLst>
+                                        </p:cTn>
+                                        <p:tgtEl>
+                                          <p:spTgt spid="3">
+                                            <p:txEl>
+                                              <p:pRg st="10" end="10"/>
+                                            </p:txEl>
+                                          </p:spTgt>
+                                        </p:tgtEl>
+                                        <p:attrNameLst>
+                                          <p:attrName>style.visibility</p:attrName>
+                                        </p:attrNameLst>
+                                      </p:cBhvr>
+                                      <p:to>
+                                        <p:strVal val="visible"/>
+                                      </p:to>
+                                    </p:set>
+                                    <p:anim calcmode="lin" valueType="num">
+                                      <p:cBhvr>
+                                        <p:cTn id="39" dur="15000" fill="hold"/>
+                                        <p:tgtEl>
+                                          <p:spTgt spid="3">
+                                            <p:txEl>
+                                              <p:pRg st="10" end="10"/>
+                                            </p:txEl>
+                                          </p:spTgt>
+                                        </p:tgtEl>
+                                        <p:attrNameLst>
+                                          <p:attrName>ppt_x</p:attrName>
+                                        </p:attrNameLst>
+                                      </p:cBhvr>
+                                      <p:tavLst>
+                                        <p:tav tm="0">
+                                          <p:val>
+                                            <p:strVal val="#ppt_x"/>
+                                          </p:val>
+                                        </p:tav>
+                                        <p:tav tm="100000">
+                                          <p:val>
+                                            <p:strVal val="#ppt_x"/>
+                                          </p:val>
+                                        </p:tav>
+                                      </p:tavLst>
+                                    </p:anim>
+                                    <p:anim calcmode="lin" valueType="num">
+                                      <p:cBhvr>
+                                        <p:cTn id="40" dur="15000" fill="hold"/>
+                                        <p:tgtEl>
+                                          <p:spTgt spid="3">
+                                            <p:txEl>
+                                              <p:pRg st="10" end="10"/>
                                             </p:txEl>
                                           </p:spTgt>
                                         </p:tgtEl>

--- a/Programação para dispositivos moveis/SLIDES/CCT0080_Aula_01_2018_2.pptx
+++ b/Programação para dispositivos moveis/SLIDES/CCT0080_Aula_01_2018_2.pptx
@@ -221,7 +221,7 @@
           <a:p>
             <a:fld id="{C8D94D05-F877-4447-A135-C5020AC71E43}" type="datetimeFigureOut">
               <a:rPr lang="pt-BR" smtClean="0"/>
-              <a:t>07/08/2018</a:t>
+              <a:t>19/02/2019</a:t>
             </a:fld>
             <a:endParaRPr lang="pt-BR"/>
           </a:p>
@@ -5489,811 +5489,6 @@
       <p:transition spd="slow" advTm="3000"/>
     </mc:Fallback>
   </mc:AlternateContent>
-  <p:timing>
-    <p:tnLst>
-      <p:par>
-        <p:cTn id="1" dur="indefinite" restart="never" nodeType="tmRoot">
-          <p:childTnLst>
-            <p:seq concurrent="1" nextAc="seek">
-              <p:cTn id="2" dur="indefinite" nodeType="mainSeq">
-                <p:childTnLst>
-                  <p:par>
-                    <p:cTn id="3" fill="hold">
-                      <p:stCondLst>
-                        <p:cond delay="indefinite"/>
-                      </p:stCondLst>
-                      <p:childTnLst>
-                        <p:par>
-                          <p:cTn id="4" fill="hold">
-                            <p:stCondLst>
-                              <p:cond delay="0"/>
-                            </p:stCondLst>
-                            <p:childTnLst>
-                              <p:par>
-                                <p:cTn id="5" presetID="28" presetClass="entr" presetSubtype="0" fill="hold" grpId="0" nodeType="clickEffect">
-                                  <p:stCondLst>
-                                    <p:cond delay="0"/>
-                                  </p:stCondLst>
-                                  <p:childTnLst>
-                                    <p:set>
-                                      <p:cBhvr>
-                                        <p:cTn id="6" dur="1" fill="hold">
-                                          <p:stCondLst>
-                                            <p:cond delay="0"/>
-                                          </p:stCondLst>
-                                        </p:cTn>
-                                        <p:tgtEl>
-                                          <p:spTgt spid="2"/>
-                                        </p:tgtEl>
-                                        <p:attrNameLst>
-                                          <p:attrName>style.visibility</p:attrName>
-                                        </p:attrNameLst>
-                                      </p:cBhvr>
-                                      <p:to>
-                                        <p:strVal val="visible"/>
-                                      </p:to>
-                                    </p:set>
-                                    <p:anim calcmode="lin" valueType="num">
-                                      <p:cBhvr>
-                                        <p:cTn id="7" dur="15000" fill="hold"/>
-                                        <p:tgtEl>
-                                          <p:spTgt spid="2"/>
-                                        </p:tgtEl>
-                                        <p:attrNameLst>
-                                          <p:attrName>ppt_x</p:attrName>
-                                        </p:attrNameLst>
-                                      </p:cBhvr>
-                                      <p:tavLst>
-                                        <p:tav tm="0">
-                                          <p:val>
-                                            <p:strVal val="#ppt_x"/>
-                                          </p:val>
-                                        </p:tav>
-                                        <p:tav tm="100000">
-                                          <p:val>
-                                            <p:strVal val="#ppt_x"/>
-                                          </p:val>
-                                        </p:tav>
-                                      </p:tavLst>
-                                    </p:anim>
-                                    <p:anim calcmode="lin" valueType="num">
-                                      <p:cBhvr>
-                                        <p:cTn id="8" dur="15000" fill="hold"/>
-                                        <p:tgtEl>
-                                          <p:spTgt spid="2"/>
-                                        </p:tgtEl>
-                                        <p:attrNameLst>
-                                          <p:attrName>ppt_y</p:attrName>
-                                        </p:attrNameLst>
-                                      </p:cBhvr>
-                                      <p:tavLst>
-                                        <p:tav tm="0">
-                                          <p:val>
-                                            <p:strVal val="#ppt_y+1"/>
-                                          </p:val>
-                                        </p:tav>
-                                        <p:tav tm="100000">
-                                          <p:val>
-                                            <p:strVal val="#ppt_y-1"/>
-                                          </p:val>
-                                        </p:tav>
-                                      </p:tavLst>
-                                    </p:anim>
-                                  </p:childTnLst>
-                                </p:cTn>
-                              </p:par>
-                              <p:par>
-                                <p:cTn id="9" presetID="28" presetClass="entr" presetSubtype="0" fill="hold" grpId="0" nodeType="withEffect">
-                                  <p:stCondLst>
-                                    <p:cond delay="0"/>
-                                  </p:stCondLst>
-                                  <p:childTnLst>
-                                    <p:set>
-                                      <p:cBhvr>
-                                        <p:cTn id="10" dur="1" fill="hold">
-                                          <p:stCondLst>
-                                            <p:cond delay="0"/>
-                                          </p:stCondLst>
-                                        </p:cTn>
-                                        <p:tgtEl>
-                                          <p:spTgt spid="3">
-                                            <p:txEl>
-                                              <p:pRg st="0" end="0"/>
-                                            </p:txEl>
-                                          </p:spTgt>
-                                        </p:tgtEl>
-                                        <p:attrNameLst>
-                                          <p:attrName>style.visibility</p:attrName>
-                                        </p:attrNameLst>
-                                      </p:cBhvr>
-                                      <p:to>
-                                        <p:strVal val="visible"/>
-                                      </p:to>
-                                    </p:set>
-                                    <p:anim calcmode="lin" valueType="num">
-                                      <p:cBhvr>
-                                        <p:cTn id="11" dur="15000" fill="hold"/>
-                                        <p:tgtEl>
-                                          <p:spTgt spid="3">
-                                            <p:txEl>
-                                              <p:pRg st="0" end="0"/>
-                                            </p:txEl>
-                                          </p:spTgt>
-                                        </p:tgtEl>
-                                        <p:attrNameLst>
-                                          <p:attrName>ppt_x</p:attrName>
-                                        </p:attrNameLst>
-                                      </p:cBhvr>
-                                      <p:tavLst>
-                                        <p:tav tm="0">
-                                          <p:val>
-                                            <p:strVal val="#ppt_x"/>
-                                          </p:val>
-                                        </p:tav>
-                                        <p:tav tm="100000">
-                                          <p:val>
-                                            <p:strVal val="#ppt_x"/>
-                                          </p:val>
-                                        </p:tav>
-                                      </p:tavLst>
-                                    </p:anim>
-                                    <p:anim calcmode="lin" valueType="num">
-                                      <p:cBhvr>
-                                        <p:cTn id="12" dur="15000" fill="hold"/>
-                                        <p:tgtEl>
-                                          <p:spTgt spid="3">
-                                            <p:txEl>
-                                              <p:pRg st="0" end="0"/>
-                                            </p:txEl>
-                                          </p:spTgt>
-                                        </p:tgtEl>
-                                        <p:attrNameLst>
-                                          <p:attrName>ppt_y</p:attrName>
-                                        </p:attrNameLst>
-                                      </p:cBhvr>
-                                      <p:tavLst>
-                                        <p:tav tm="0">
-                                          <p:val>
-                                            <p:strVal val="#ppt_y+1"/>
-                                          </p:val>
-                                        </p:tav>
-                                        <p:tav tm="100000">
-                                          <p:val>
-                                            <p:strVal val="#ppt_y-1"/>
-                                          </p:val>
-                                        </p:tav>
-                                      </p:tavLst>
-                                    </p:anim>
-                                  </p:childTnLst>
-                                </p:cTn>
-                              </p:par>
-                              <p:par>
-                                <p:cTn id="13" presetID="28" presetClass="entr" presetSubtype="0" fill="hold" grpId="0" nodeType="withEffect">
-                                  <p:stCondLst>
-                                    <p:cond delay="0"/>
-                                  </p:stCondLst>
-                                  <p:childTnLst>
-                                    <p:set>
-                                      <p:cBhvr>
-                                        <p:cTn id="14" dur="1" fill="hold">
-                                          <p:stCondLst>
-                                            <p:cond delay="0"/>
-                                          </p:stCondLst>
-                                        </p:cTn>
-                                        <p:tgtEl>
-                                          <p:spTgt spid="3">
-                                            <p:txEl>
-                                              <p:pRg st="1" end="1"/>
-                                            </p:txEl>
-                                          </p:spTgt>
-                                        </p:tgtEl>
-                                        <p:attrNameLst>
-                                          <p:attrName>style.visibility</p:attrName>
-                                        </p:attrNameLst>
-                                      </p:cBhvr>
-                                      <p:to>
-                                        <p:strVal val="visible"/>
-                                      </p:to>
-                                    </p:set>
-                                    <p:anim calcmode="lin" valueType="num">
-                                      <p:cBhvr>
-                                        <p:cTn id="15" dur="15000" fill="hold"/>
-                                        <p:tgtEl>
-                                          <p:spTgt spid="3">
-                                            <p:txEl>
-                                              <p:pRg st="1" end="1"/>
-                                            </p:txEl>
-                                          </p:spTgt>
-                                        </p:tgtEl>
-                                        <p:attrNameLst>
-                                          <p:attrName>ppt_x</p:attrName>
-                                        </p:attrNameLst>
-                                      </p:cBhvr>
-                                      <p:tavLst>
-                                        <p:tav tm="0">
-                                          <p:val>
-                                            <p:strVal val="#ppt_x"/>
-                                          </p:val>
-                                        </p:tav>
-                                        <p:tav tm="100000">
-                                          <p:val>
-                                            <p:strVal val="#ppt_x"/>
-                                          </p:val>
-                                        </p:tav>
-                                      </p:tavLst>
-                                    </p:anim>
-                                    <p:anim calcmode="lin" valueType="num">
-                                      <p:cBhvr>
-                                        <p:cTn id="16" dur="15000" fill="hold"/>
-                                        <p:tgtEl>
-                                          <p:spTgt spid="3">
-                                            <p:txEl>
-                                              <p:pRg st="1" end="1"/>
-                                            </p:txEl>
-                                          </p:spTgt>
-                                        </p:tgtEl>
-                                        <p:attrNameLst>
-                                          <p:attrName>ppt_y</p:attrName>
-                                        </p:attrNameLst>
-                                      </p:cBhvr>
-                                      <p:tavLst>
-                                        <p:tav tm="0">
-                                          <p:val>
-                                            <p:strVal val="#ppt_y+1"/>
-                                          </p:val>
-                                        </p:tav>
-                                        <p:tav tm="100000">
-                                          <p:val>
-                                            <p:strVal val="#ppt_y-1"/>
-                                          </p:val>
-                                        </p:tav>
-                                      </p:tavLst>
-                                    </p:anim>
-                                  </p:childTnLst>
-                                </p:cTn>
-                              </p:par>
-                              <p:par>
-                                <p:cTn id="17" presetID="28" presetClass="entr" presetSubtype="0" fill="hold" grpId="0" nodeType="withEffect">
-                                  <p:stCondLst>
-                                    <p:cond delay="0"/>
-                                  </p:stCondLst>
-                                  <p:childTnLst>
-                                    <p:set>
-                                      <p:cBhvr>
-                                        <p:cTn id="18" dur="1" fill="hold">
-                                          <p:stCondLst>
-                                            <p:cond delay="0"/>
-                                          </p:stCondLst>
-                                        </p:cTn>
-                                        <p:tgtEl>
-                                          <p:spTgt spid="3">
-                                            <p:txEl>
-                                              <p:pRg st="2" end="2"/>
-                                            </p:txEl>
-                                          </p:spTgt>
-                                        </p:tgtEl>
-                                        <p:attrNameLst>
-                                          <p:attrName>style.visibility</p:attrName>
-                                        </p:attrNameLst>
-                                      </p:cBhvr>
-                                      <p:to>
-                                        <p:strVal val="visible"/>
-                                      </p:to>
-                                    </p:set>
-                                    <p:anim calcmode="lin" valueType="num">
-                                      <p:cBhvr>
-                                        <p:cTn id="19" dur="15000" fill="hold"/>
-                                        <p:tgtEl>
-                                          <p:spTgt spid="3">
-                                            <p:txEl>
-                                              <p:pRg st="2" end="2"/>
-                                            </p:txEl>
-                                          </p:spTgt>
-                                        </p:tgtEl>
-                                        <p:attrNameLst>
-                                          <p:attrName>ppt_x</p:attrName>
-                                        </p:attrNameLst>
-                                      </p:cBhvr>
-                                      <p:tavLst>
-                                        <p:tav tm="0">
-                                          <p:val>
-                                            <p:strVal val="#ppt_x"/>
-                                          </p:val>
-                                        </p:tav>
-                                        <p:tav tm="100000">
-                                          <p:val>
-                                            <p:strVal val="#ppt_x"/>
-                                          </p:val>
-                                        </p:tav>
-                                      </p:tavLst>
-                                    </p:anim>
-                                    <p:anim calcmode="lin" valueType="num">
-                                      <p:cBhvr>
-                                        <p:cTn id="20" dur="15000" fill="hold"/>
-                                        <p:tgtEl>
-                                          <p:spTgt spid="3">
-                                            <p:txEl>
-                                              <p:pRg st="2" end="2"/>
-                                            </p:txEl>
-                                          </p:spTgt>
-                                        </p:tgtEl>
-                                        <p:attrNameLst>
-                                          <p:attrName>ppt_y</p:attrName>
-                                        </p:attrNameLst>
-                                      </p:cBhvr>
-                                      <p:tavLst>
-                                        <p:tav tm="0">
-                                          <p:val>
-                                            <p:strVal val="#ppt_y+1"/>
-                                          </p:val>
-                                        </p:tav>
-                                        <p:tav tm="100000">
-                                          <p:val>
-                                            <p:strVal val="#ppt_y-1"/>
-                                          </p:val>
-                                        </p:tav>
-                                      </p:tavLst>
-                                    </p:anim>
-                                  </p:childTnLst>
-                                </p:cTn>
-                              </p:par>
-                              <p:par>
-                                <p:cTn id="21" presetID="28" presetClass="entr" presetSubtype="0" fill="hold" grpId="0" nodeType="withEffect">
-                                  <p:stCondLst>
-                                    <p:cond delay="0"/>
-                                  </p:stCondLst>
-                                  <p:childTnLst>
-                                    <p:set>
-                                      <p:cBhvr>
-                                        <p:cTn id="22" dur="1" fill="hold">
-                                          <p:stCondLst>
-                                            <p:cond delay="0"/>
-                                          </p:stCondLst>
-                                        </p:cTn>
-                                        <p:tgtEl>
-                                          <p:spTgt spid="3">
-                                            <p:txEl>
-                                              <p:pRg st="3" end="3"/>
-                                            </p:txEl>
-                                          </p:spTgt>
-                                        </p:tgtEl>
-                                        <p:attrNameLst>
-                                          <p:attrName>style.visibility</p:attrName>
-                                        </p:attrNameLst>
-                                      </p:cBhvr>
-                                      <p:to>
-                                        <p:strVal val="visible"/>
-                                      </p:to>
-                                    </p:set>
-                                    <p:anim calcmode="lin" valueType="num">
-                                      <p:cBhvr>
-                                        <p:cTn id="23" dur="15000" fill="hold"/>
-                                        <p:tgtEl>
-                                          <p:spTgt spid="3">
-                                            <p:txEl>
-                                              <p:pRg st="3" end="3"/>
-                                            </p:txEl>
-                                          </p:spTgt>
-                                        </p:tgtEl>
-                                        <p:attrNameLst>
-                                          <p:attrName>ppt_x</p:attrName>
-                                        </p:attrNameLst>
-                                      </p:cBhvr>
-                                      <p:tavLst>
-                                        <p:tav tm="0">
-                                          <p:val>
-                                            <p:strVal val="#ppt_x"/>
-                                          </p:val>
-                                        </p:tav>
-                                        <p:tav tm="100000">
-                                          <p:val>
-                                            <p:strVal val="#ppt_x"/>
-                                          </p:val>
-                                        </p:tav>
-                                      </p:tavLst>
-                                    </p:anim>
-                                    <p:anim calcmode="lin" valueType="num">
-                                      <p:cBhvr>
-                                        <p:cTn id="24" dur="15000" fill="hold"/>
-                                        <p:tgtEl>
-                                          <p:spTgt spid="3">
-                                            <p:txEl>
-                                              <p:pRg st="3" end="3"/>
-                                            </p:txEl>
-                                          </p:spTgt>
-                                        </p:tgtEl>
-                                        <p:attrNameLst>
-                                          <p:attrName>ppt_y</p:attrName>
-                                        </p:attrNameLst>
-                                      </p:cBhvr>
-                                      <p:tavLst>
-                                        <p:tav tm="0">
-                                          <p:val>
-                                            <p:strVal val="#ppt_y+1"/>
-                                          </p:val>
-                                        </p:tav>
-                                        <p:tav tm="100000">
-                                          <p:val>
-                                            <p:strVal val="#ppt_y-1"/>
-                                          </p:val>
-                                        </p:tav>
-                                      </p:tavLst>
-                                    </p:anim>
-                                  </p:childTnLst>
-                                </p:cTn>
-                              </p:par>
-                              <p:par>
-                                <p:cTn id="25" presetID="28" presetClass="entr" presetSubtype="0" fill="hold" grpId="0" nodeType="withEffect">
-                                  <p:stCondLst>
-                                    <p:cond delay="0"/>
-                                  </p:stCondLst>
-                                  <p:childTnLst>
-                                    <p:set>
-                                      <p:cBhvr>
-                                        <p:cTn id="26" dur="1" fill="hold">
-                                          <p:stCondLst>
-                                            <p:cond delay="0"/>
-                                          </p:stCondLst>
-                                        </p:cTn>
-                                        <p:tgtEl>
-                                          <p:spTgt spid="3">
-                                            <p:txEl>
-                                              <p:pRg st="5" end="5"/>
-                                            </p:txEl>
-                                          </p:spTgt>
-                                        </p:tgtEl>
-                                        <p:attrNameLst>
-                                          <p:attrName>style.visibility</p:attrName>
-                                        </p:attrNameLst>
-                                      </p:cBhvr>
-                                      <p:to>
-                                        <p:strVal val="visible"/>
-                                      </p:to>
-                                    </p:set>
-                                    <p:anim calcmode="lin" valueType="num">
-                                      <p:cBhvr>
-                                        <p:cTn id="27" dur="15000" fill="hold"/>
-                                        <p:tgtEl>
-                                          <p:spTgt spid="3">
-                                            <p:txEl>
-                                              <p:pRg st="5" end="5"/>
-                                            </p:txEl>
-                                          </p:spTgt>
-                                        </p:tgtEl>
-                                        <p:attrNameLst>
-                                          <p:attrName>ppt_x</p:attrName>
-                                        </p:attrNameLst>
-                                      </p:cBhvr>
-                                      <p:tavLst>
-                                        <p:tav tm="0">
-                                          <p:val>
-                                            <p:strVal val="#ppt_x"/>
-                                          </p:val>
-                                        </p:tav>
-                                        <p:tav tm="100000">
-                                          <p:val>
-                                            <p:strVal val="#ppt_x"/>
-                                          </p:val>
-                                        </p:tav>
-                                      </p:tavLst>
-                                    </p:anim>
-                                    <p:anim calcmode="lin" valueType="num">
-                                      <p:cBhvr>
-                                        <p:cTn id="28" dur="15000" fill="hold"/>
-                                        <p:tgtEl>
-                                          <p:spTgt spid="3">
-                                            <p:txEl>
-                                              <p:pRg st="5" end="5"/>
-                                            </p:txEl>
-                                          </p:spTgt>
-                                        </p:tgtEl>
-                                        <p:attrNameLst>
-                                          <p:attrName>ppt_y</p:attrName>
-                                        </p:attrNameLst>
-                                      </p:cBhvr>
-                                      <p:tavLst>
-                                        <p:tav tm="0">
-                                          <p:val>
-                                            <p:strVal val="#ppt_y+1"/>
-                                          </p:val>
-                                        </p:tav>
-                                        <p:tav tm="100000">
-                                          <p:val>
-                                            <p:strVal val="#ppt_y-1"/>
-                                          </p:val>
-                                        </p:tav>
-                                      </p:tavLst>
-                                    </p:anim>
-                                  </p:childTnLst>
-                                </p:cTn>
-                              </p:par>
-                              <p:par>
-                                <p:cTn id="29" presetID="28" presetClass="entr" presetSubtype="0" fill="hold" grpId="0" nodeType="withEffect">
-                                  <p:stCondLst>
-                                    <p:cond delay="0"/>
-                                  </p:stCondLst>
-                                  <p:childTnLst>
-                                    <p:set>
-                                      <p:cBhvr>
-                                        <p:cTn id="30" dur="1" fill="hold">
-                                          <p:stCondLst>
-                                            <p:cond delay="0"/>
-                                          </p:stCondLst>
-                                        </p:cTn>
-                                        <p:tgtEl>
-                                          <p:spTgt spid="3">
-                                            <p:txEl>
-                                              <p:pRg st="7" end="7"/>
-                                            </p:txEl>
-                                          </p:spTgt>
-                                        </p:tgtEl>
-                                        <p:attrNameLst>
-                                          <p:attrName>style.visibility</p:attrName>
-                                        </p:attrNameLst>
-                                      </p:cBhvr>
-                                      <p:to>
-                                        <p:strVal val="visible"/>
-                                      </p:to>
-                                    </p:set>
-                                    <p:anim calcmode="lin" valueType="num">
-                                      <p:cBhvr>
-                                        <p:cTn id="31" dur="15000" fill="hold"/>
-                                        <p:tgtEl>
-                                          <p:spTgt spid="3">
-                                            <p:txEl>
-                                              <p:pRg st="7" end="7"/>
-                                            </p:txEl>
-                                          </p:spTgt>
-                                        </p:tgtEl>
-                                        <p:attrNameLst>
-                                          <p:attrName>ppt_x</p:attrName>
-                                        </p:attrNameLst>
-                                      </p:cBhvr>
-                                      <p:tavLst>
-                                        <p:tav tm="0">
-                                          <p:val>
-                                            <p:strVal val="#ppt_x"/>
-                                          </p:val>
-                                        </p:tav>
-                                        <p:tav tm="100000">
-                                          <p:val>
-                                            <p:strVal val="#ppt_x"/>
-                                          </p:val>
-                                        </p:tav>
-                                      </p:tavLst>
-                                    </p:anim>
-                                    <p:anim calcmode="lin" valueType="num">
-                                      <p:cBhvr>
-                                        <p:cTn id="32" dur="15000" fill="hold"/>
-                                        <p:tgtEl>
-                                          <p:spTgt spid="3">
-                                            <p:txEl>
-                                              <p:pRg st="7" end="7"/>
-                                            </p:txEl>
-                                          </p:spTgt>
-                                        </p:tgtEl>
-                                        <p:attrNameLst>
-                                          <p:attrName>ppt_y</p:attrName>
-                                        </p:attrNameLst>
-                                      </p:cBhvr>
-                                      <p:tavLst>
-                                        <p:tav tm="0">
-                                          <p:val>
-                                            <p:strVal val="#ppt_y+1"/>
-                                          </p:val>
-                                        </p:tav>
-                                        <p:tav tm="100000">
-                                          <p:val>
-                                            <p:strVal val="#ppt_y-1"/>
-                                          </p:val>
-                                        </p:tav>
-                                      </p:tavLst>
-                                    </p:anim>
-                                  </p:childTnLst>
-                                </p:cTn>
-                              </p:par>
-                              <p:par>
-                                <p:cTn id="33" presetID="28" presetClass="entr" presetSubtype="0" fill="hold" grpId="0" nodeType="withEffect">
-                                  <p:stCondLst>
-                                    <p:cond delay="0"/>
-                                  </p:stCondLst>
-                                  <p:childTnLst>
-                                    <p:set>
-                                      <p:cBhvr>
-                                        <p:cTn id="34" dur="1" fill="hold">
-                                          <p:stCondLst>
-                                            <p:cond delay="0"/>
-                                          </p:stCondLst>
-                                        </p:cTn>
-                                        <p:tgtEl>
-                                          <p:spTgt spid="3">
-                                            <p:txEl>
-                                              <p:pRg st="8" end="8"/>
-                                            </p:txEl>
-                                          </p:spTgt>
-                                        </p:tgtEl>
-                                        <p:attrNameLst>
-                                          <p:attrName>style.visibility</p:attrName>
-                                        </p:attrNameLst>
-                                      </p:cBhvr>
-                                      <p:to>
-                                        <p:strVal val="visible"/>
-                                      </p:to>
-                                    </p:set>
-                                    <p:anim calcmode="lin" valueType="num">
-                                      <p:cBhvr>
-                                        <p:cTn id="35" dur="15000" fill="hold"/>
-                                        <p:tgtEl>
-                                          <p:spTgt spid="3">
-                                            <p:txEl>
-                                              <p:pRg st="8" end="8"/>
-                                            </p:txEl>
-                                          </p:spTgt>
-                                        </p:tgtEl>
-                                        <p:attrNameLst>
-                                          <p:attrName>ppt_x</p:attrName>
-                                        </p:attrNameLst>
-                                      </p:cBhvr>
-                                      <p:tavLst>
-                                        <p:tav tm="0">
-                                          <p:val>
-                                            <p:strVal val="#ppt_x"/>
-                                          </p:val>
-                                        </p:tav>
-                                        <p:tav tm="100000">
-                                          <p:val>
-                                            <p:strVal val="#ppt_x"/>
-                                          </p:val>
-                                        </p:tav>
-                                      </p:tavLst>
-                                    </p:anim>
-                                    <p:anim calcmode="lin" valueType="num">
-                                      <p:cBhvr>
-                                        <p:cTn id="36" dur="15000" fill="hold"/>
-                                        <p:tgtEl>
-                                          <p:spTgt spid="3">
-                                            <p:txEl>
-                                              <p:pRg st="8" end="8"/>
-                                            </p:txEl>
-                                          </p:spTgt>
-                                        </p:tgtEl>
-                                        <p:attrNameLst>
-                                          <p:attrName>ppt_y</p:attrName>
-                                        </p:attrNameLst>
-                                      </p:cBhvr>
-                                      <p:tavLst>
-                                        <p:tav tm="0">
-                                          <p:val>
-                                            <p:strVal val="#ppt_y+1"/>
-                                          </p:val>
-                                        </p:tav>
-                                        <p:tav tm="100000">
-                                          <p:val>
-                                            <p:strVal val="#ppt_y-1"/>
-                                          </p:val>
-                                        </p:tav>
-                                      </p:tavLst>
-                                    </p:anim>
-                                  </p:childTnLst>
-                                </p:cTn>
-                              </p:par>
-                              <p:par>
-                                <p:cTn id="37" presetID="28" presetClass="entr" presetSubtype="0" fill="hold" grpId="0" nodeType="withEffect">
-                                  <p:stCondLst>
-                                    <p:cond delay="0"/>
-                                  </p:stCondLst>
-                                  <p:childTnLst>
-                                    <p:set>
-                                      <p:cBhvr>
-                                        <p:cTn id="38" dur="1" fill="hold">
-                                          <p:stCondLst>
-                                            <p:cond delay="0"/>
-                                          </p:stCondLst>
-                                        </p:cTn>
-                                        <p:tgtEl>
-                                          <p:spTgt spid="3">
-                                            <p:txEl>
-                                              <p:pRg st="10" end="10"/>
-                                            </p:txEl>
-                                          </p:spTgt>
-                                        </p:tgtEl>
-                                        <p:attrNameLst>
-                                          <p:attrName>style.visibility</p:attrName>
-                                        </p:attrNameLst>
-                                      </p:cBhvr>
-                                      <p:to>
-                                        <p:strVal val="visible"/>
-                                      </p:to>
-                                    </p:set>
-                                    <p:anim calcmode="lin" valueType="num">
-                                      <p:cBhvr>
-                                        <p:cTn id="39" dur="15000" fill="hold"/>
-                                        <p:tgtEl>
-                                          <p:spTgt spid="3">
-                                            <p:txEl>
-                                              <p:pRg st="10" end="10"/>
-                                            </p:txEl>
-                                          </p:spTgt>
-                                        </p:tgtEl>
-                                        <p:attrNameLst>
-                                          <p:attrName>ppt_x</p:attrName>
-                                        </p:attrNameLst>
-                                      </p:cBhvr>
-                                      <p:tavLst>
-                                        <p:tav tm="0">
-                                          <p:val>
-                                            <p:strVal val="#ppt_x"/>
-                                          </p:val>
-                                        </p:tav>
-                                        <p:tav tm="100000">
-                                          <p:val>
-                                            <p:strVal val="#ppt_x"/>
-                                          </p:val>
-                                        </p:tav>
-                                      </p:tavLst>
-                                    </p:anim>
-                                    <p:anim calcmode="lin" valueType="num">
-                                      <p:cBhvr>
-                                        <p:cTn id="40" dur="15000" fill="hold"/>
-                                        <p:tgtEl>
-                                          <p:spTgt spid="3">
-                                            <p:txEl>
-                                              <p:pRg st="10" end="10"/>
-                                            </p:txEl>
-                                          </p:spTgt>
-                                        </p:tgtEl>
-                                        <p:attrNameLst>
-                                          <p:attrName>ppt_y</p:attrName>
-                                        </p:attrNameLst>
-                                      </p:cBhvr>
-                                      <p:tavLst>
-                                        <p:tav tm="0">
-                                          <p:val>
-                                            <p:strVal val="#ppt_y+1"/>
-                                          </p:val>
-                                        </p:tav>
-                                        <p:tav tm="100000">
-                                          <p:val>
-                                            <p:strVal val="#ppt_y-1"/>
-                                          </p:val>
-                                        </p:tav>
-                                      </p:tavLst>
-                                    </p:anim>
-                                  </p:childTnLst>
-                                </p:cTn>
-                              </p:par>
-                            </p:childTnLst>
-                          </p:cTn>
-                        </p:par>
-                      </p:childTnLst>
-                    </p:cTn>
-                  </p:par>
-                </p:childTnLst>
-              </p:cTn>
-              <p:prevCondLst>
-                <p:cond evt="onPrev" delay="0">
-                  <p:tgtEl>
-                    <p:sldTgt/>
-                  </p:tgtEl>
-                </p:cond>
-              </p:prevCondLst>
-              <p:nextCondLst>
-                <p:cond evt="onNext" delay="0">
-                  <p:tgtEl>
-                    <p:sldTgt/>
-                  </p:tgtEl>
-                </p:cond>
-              </p:nextCondLst>
-            </p:seq>
-          </p:childTnLst>
-        </p:cTn>
-      </p:par>
-    </p:tnLst>
-    <p:bldLst>
-      <p:bldP spid="2" grpId="0"/>
-      <p:bldP spid="3" grpId="0" build="allAtOnce"/>
-    </p:bldLst>
-  </p:timing>
 </p:sld>
 </file>
 
